--- a/DSP/Ditte-Powerpoints/dspExamQ3.pptx
+++ b/DSP/Ditte-Powerpoints/dspExamQ3.pptx
@@ -134,13 +134,68 @@
 <file path=ppt/revisionInfo.xml><?xml version="1.0" encoding="utf-8"?>
 <p1510:revInfo xmlns:a="http://schemas.openxmlformats.org/drawingml/2006/main" xmlns:r="http://schemas.openxmlformats.org/officeDocument/2006/relationships" xmlns:p1510="http://schemas.microsoft.com/office/powerpoint/2015/10/main">
   <p1510:revLst>
-    <p1510:client id="{367C053B-C1C7-4032-B9C0-9E1B976198ED}" v="28" dt="2024-12-30T09:19:50.923"/>
+    <p1510:client id="{C12EC2AC-42B8-43CB-A387-E32C4EC3399E}" v="2" dt="2025-01-15T13:54:11.742"/>
   </p1510:revLst>
 </p1510:revInfo>
 </file>
 
 <file path=ppt/changesInfos/changesInfo1.xml><?xml version="1.0" encoding="utf-8"?>
 <pc:chgInfo xmlns:a="http://schemas.openxmlformats.org/drawingml/2006/main" xmlns:r="http://schemas.openxmlformats.org/officeDocument/2006/relationships" xmlns:ac="http://schemas.microsoft.com/office/drawing/2013/main/command" xmlns:pc="http://schemas.microsoft.com/office/powerpoint/2013/main/command">
+  <pc:docChgLst>
+    <pc:chgData name="Ditte Filskov Theilgaard" userId="150196ba-3d64-4ece-aa51-395739ba31e6" providerId="ADAL" clId="{C12EC2AC-42B8-43CB-A387-E32C4EC3399E}"/>
+    <pc:docChg chg="custSel modSld">
+      <pc:chgData name="Ditte Filskov Theilgaard" userId="150196ba-3d64-4ece-aa51-395739ba31e6" providerId="ADAL" clId="{C12EC2AC-42B8-43CB-A387-E32C4EC3399E}" dt="2025-01-15T13:55:05.504" v="7" actId="1076"/>
+      <pc:docMkLst>
+        <pc:docMk/>
+      </pc:docMkLst>
+      <pc:sldChg chg="addSp delSp modSp mod">
+        <pc:chgData name="Ditte Filskov Theilgaard" userId="150196ba-3d64-4ece-aa51-395739ba31e6" providerId="ADAL" clId="{C12EC2AC-42B8-43CB-A387-E32C4EC3399E}" dt="2025-01-15T13:53:57.829" v="6" actId="1076"/>
+        <pc:sldMkLst>
+          <pc:docMk/>
+          <pc:sldMk cId="1609869835" sldId="257"/>
+        </pc:sldMkLst>
+        <pc:spChg chg="mod">
+          <ac:chgData name="Ditte Filskov Theilgaard" userId="150196ba-3d64-4ece-aa51-395739ba31e6" providerId="ADAL" clId="{C12EC2AC-42B8-43CB-A387-E32C4EC3399E}" dt="2025-01-15T11:06:39.313" v="0" actId="20577"/>
+          <ac:spMkLst>
+            <pc:docMk/>
+            <pc:sldMk cId="1609869835" sldId="257"/>
+            <ac:spMk id="3" creationId="{7A1AA8C2-678C-0777-1444-8C14E4147EC5}"/>
+          </ac:spMkLst>
+        </pc:spChg>
+        <pc:picChg chg="add del">
+          <ac:chgData name="Ditte Filskov Theilgaard" userId="150196ba-3d64-4ece-aa51-395739ba31e6" providerId="ADAL" clId="{C12EC2AC-42B8-43CB-A387-E32C4EC3399E}" dt="2025-01-15T13:53:49.848" v="2" actId="478"/>
+          <ac:picMkLst>
+            <pc:docMk/>
+            <pc:sldMk cId="1609869835" sldId="257"/>
+            <ac:picMk id="5" creationId="{98F2C43D-5047-9EAC-7B13-B5F7669B9C52}"/>
+          </ac:picMkLst>
+        </pc:picChg>
+        <pc:picChg chg="add mod">
+          <ac:chgData name="Ditte Filskov Theilgaard" userId="150196ba-3d64-4ece-aa51-395739ba31e6" providerId="ADAL" clId="{C12EC2AC-42B8-43CB-A387-E32C4EC3399E}" dt="2025-01-15T13:53:57.829" v="6" actId="1076"/>
+          <ac:picMkLst>
+            <pc:docMk/>
+            <pc:sldMk cId="1609869835" sldId="257"/>
+            <ac:picMk id="7" creationId="{D707CB15-18BB-F440-36C3-DD66714B005B}"/>
+          </ac:picMkLst>
+        </pc:picChg>
+      </pc:sldChg>
+      <pc:sldChg chg="modSp mod">
+        <pc:chgData name="Ditte Filskov Theilgaard" userId="150196ba-3d64-4ece-aa51-395739ba31e6" providerId="ADAL" clId="{C12EC2AC-42B8-43CB-A387-E32C4EC3399E}" dt="2025-01-15T13:55:05.504" v="7" actId="1076"/>
+        <pc:sldMkLst>
+          <pc:docMk/>
+          <pc:sldMk cId="851425376" sldId="264"/>
+        </pc:sldMkLst>
+        <pc:picChg chg="mod">
+          <ac:chgData name="Ditte Filskov Theilgaard" userId="150196ba-3d64-4ece-aa51-395739ba31e6" providerId="ADAL" clId="{C12EC2AC-42B8-43CB-A387-E32C4EC3399E}" dt="2025-01-15T13:55:05.504" v="7" actId="1076"/>
+          <ac:picMkLst>
+            <pc:docMk/>
+            <pc:sldMk cId="851425376" sldId="264"/>
+            <ac:picMk id="5" creationId="{4AE8269A-B5AE-BA38-34E1-F5194621649D}"/>
+          </ac:picMkLst>
+        </pc:picChg>
+      </pc:sldChg>
+    </pc:docChg>
+  </pc:docChgLst>
   <pc:docChgLst>
     <pc:chgData name="Ditte Filskov Theilgaard" userId="150196ba-3d64-4ece-aa51-395739ba31e6" providerId="ADAL" clId="{367C053B-C1C7-4032-B9C0-9E1B976198ED}"/>
     <pc:docChg chg="undo custSel addSld delSld modSld sldOrd">
@@ -251,14 +306,6 @@
             <ac:picMk id="3" creationId="{DEA5A1AE-10E3-605A-A2CC-F3A6889492B5}"/>
           </ac:picMkLst>
         </pc:picChg>
-        <pc:picChg chg="add del mod">
-          <ac:chgData name="Ditte Filskov Theilgaard" userId="150196ba-3d64-4ece-aa51-395739ba31e6" providerId="ADAL" clId="{367C053B-C1C7-4032-B9C0-9E1B976198ED}" dt="2024-12-30T08:09:18.800" v="479" actId="22"/>
-          <ac:picMkLst>
-            <pc:docMk/>
-            <pc:sldMk cId="855807981" sldId="260"/>
-            <ac:picMk id="4" creationId="{BA200141-01B5-D81D-BF5D-F8B3AA3950F3}"/>
-          </ac:picMkLst>
-        </pc:picChg>
         <pc:picChg chg="add mod">
           <ac:chgData name="Ditte Filskov Theilgaard" userId="150196ba-3d64-4ece-aa51-395739ba31e6" providerId="ADAL" clId="{367C053B-C1C7-4032-B9C0-9E1B976198ED}" dt="2024-12-30T08:09:57.382" v="483" actId="1076"/>
           <ac:picMkLst>
@@ -296,22 +343,6 @@
           <pc:docMk/>
           <pc:sldMk cId="1273999405" sldId="262"/>
         </pc:sldMkLst>
-        <pc:picChg chg="add del mod">
-          <ac:chgData name="Ditte Filskov Theilgaard" userId="150196ba-3d64-4ece-aa51-395739ba31e6" providerId="ADAL" clId="{367C053B-C1C7-4032-B9C0-9E1B976198ED}" dt="2024-12-30T08:33:10.288" v="486" actId="478"/>
-          <ac:picMkLst>
-            <pc:docMk/>
-            <pc:sldMk cId="1273999405" sldId="262"/>
-            <ac:picMk id="3" creationId="{A2B8B1BF-4236-209A-F545-3A8470921BB7}"/>
-          </ac:picMkLst>
-        </pc:picChg>
-        <pc:picChg chg="add del mod">
-          <ac:chgData name="Ditte Filskov Theilgaard" userId="150196ba-3d64-4ece-aa51-395739ba31e6" providerId="ADAL" clId="{367C053B-C1C7-4032-B9C0-9E1B976198ED}" dt="2024-12-30T08:01:15.641" v="463" actId="478"/>
-          <ac:picMkLst>
-            <pc:docMk/>
-            <pc:sldMk cId="1273999405" sldId="262"/>
-            <ac:picMk id="5" creationId="{3F0EE04E-749C-FBB4-1E43-057F5CD90DEE}"/>
-          </ac:picMkLst>
-        </pc:picChg>
         <pc:picChg chg="add">
           <ac:chgData name="Ditte Filskov Theilgaard" userId="150196ba-3d64-4ece-aa51-395739ba31e6" providerId="ADAL" clId="{367C053B-C1C7-4032-B9C0-9E1B976198ED}" dt="2024-12-30T08:33:10.953" v="487" actId="22"/>
           <ac:picMkLst>
@@ -341,22 +372,6 @@
           <pc:docMk/>
           <pc:sldMk cId="2568740612" sldId="263"/>
         </pc:sldMkLst>
-        <pc:picChg chg="add del">
-          <ac:chgData name="Ditte Filskov Theilgaard" userId="150196ba-3d64-4ece-aa51-395739ba31e6" providerId="ADAL" clId="{367C053B-C1C7-4032-B9C0-9E1B976198ED}" dt="2024-12-30T08:33:26.550" v="488" actId="478"/>
-          <ac:picMkLst>
-            <pc:docMk/>
-            <pc:sldMk cId="2568740612" sldId="263"/>
-            <ac:picMk id="3" creationId="{6A1D9E88-FFB9-DA28-EF8B-E6D4682B0D36}"/>
-          </ac:picMkLst>
-        </pc:picChg>
-        <pc:picChg chg="del">
-          <ac:chgData name="Ditte Filskov Theilgaard" userId="150196ba-3d64-4ece-aa51-395739ba31e6" providerId="ADAL" clId="{367C053B-C1C7-4032-B9C0-9E1B976198ED}" dt="2024-12-30T08:01:28.731" v="468" actId="478"/>
-          <ac:picMkLst>
-            <pc:docMk/>
-            <pc:sldMk cId="2568740612" sldId="263"/>
-            <ac:picMk id="5" creationId="{9727F035-C213-A13A-A54A-8112ED394185}"/>
-          </ac:picMkLst>
-        </pc:picChg>
         <pc:picChg chg="add">
           <ac:chgData name="Ditte Filskov Theilgaard" userId="150196ba-3d64-4ece-aa51-395739ba31e6" providerId="ADAL" clId="{367C053B-C1C7-4032-B9C0-9E1B976198ED}" dt="2024-12-30T08:33:26.926" v="489" actId="22"/>
           <ac:picMkLst>
@@ -379,22 +394,6 @@
           <pc:docMk/>
           <pc:sldMk cId="851425376" sldId="264"/>
         </pc:sldMkLst>
-        <pc:spChg chg="del">
-          <ac:chgData name="Ditte Filskov Theilgaard" userId="150196ba-3d64-4ece-aa51-395739ba31e6" providerId="ADAL" clId="{367C053B-C1C7-4032-B9C0-9E1B976198ED}" dt="2024-12-30T07:41:01.190" v="362" actId="478"/>
-          <ac:spMkLst>
-            <pc:docMk/>
-            <pc:sldMk cId="851425376" sldId="264"/>
-            <ac:spMk id="2" creationId="{1C624721-5A60-7B3E-6C06-253B3446BF0F}"/>
-          </ac:spMkLst>
-        </pc:spChg>
-        <pc:spChg chg="del">
-          <ac:chgData name="Ditte Filskov Theilgaard" userId="150196ba-3d64-4ece-aa51-395739ba31e6" providerId="ADAL" clId="{367C053B-C1C7-4032-B9C0-9E1B976198ED}" dt="2024-12-30T07:40:59.462" v="361" actId="478"/>
-          <ac:spMkLst>
-            <pc:docMk/>
-            <pc:sldMk cId="851425376" sldId="264"/>
-            <ac:spMk id="3" creationId="{9307835A-D0F8-B09B-0147-3D4D1BDA8611}"/>
-          </ac:spMkLst>
-        </pc:spChg>
         <pc:picChg chg="add mod">
           <ac:chgData name="Ditte Filskov Theilgaard" userId="150196ba-3d64-4ece-aa51-395739ba31e6" providerId="ADAL" clId="{367C053B-C1C7-4032-B9C0-9E1B976198ED}" dt="2024-12-30T07:41:08.843" v="364" actId="14100"/>
           <ac:picMkLst>
@@ -447,14 +446,6 @@
           <pc:docMk/>
           <pc:sldMk cId="3504282247" sldId="266"/>
         </pc:sldMkLst>
-        <pc:picChg chg="add del">
-          <ac:chgData name="Ditte Filskov Theilgaard" userId="150196ba-3d64-4ece-aa51-395739ba31e6" providerId="ADAL" clId="{367C053B-C1C7-4032-B9C0-9E1B976198ED}" dt="2024-12-30T07:47:54.351" v="382" actId="21"/>
-          <ac:picMkLst>
-            <pc:docMk/>
-            <pc:sldMk cId="3504282247" sldId="266"/>
-            <ac:picMk id="3" creationId="{19845643-22CF-71B7-8CB9-492703004E99}"/>
-          </ac:picMkLst>
-        </pc:picChg>
       </pc:sldChg>
       <pc:sldChg chg="addSp modSp new mod">
         <pc:chgData name="Ditte Filskov Theilgaard" userId="150196ba-3d64-4ece-aa51-395739ba31e6" providerId="ADAL" clId="{367C053B-C1C7-4032-B9C0-9E1B976198ED}" dt="2024-12-30T07:49:49.309" v="416" actId="14100"/>
@@ -515,22 +506,6 @@
           <pc:docMk/>
           <pc:sldMk cId="3181592976" sldId="269"/>
         </pc:sldMkLst>
-        <pc:picChg chg="add del">
-          <ac:chgData name="Ditte Filskov Theilgaard" userId="150196ba-3d64-4ece-aa51-395739ba31e6" providerId="ADAL" clId="{367C053B-C1C7-4032-B9C0-9E1B976198ED}" dt="2024-12-30T07:44:04.566" v="376" actId="22"/>
-          <ac:picMkLst>
-            <pc:docMk/>
-            <pc:sldMk cId="3181592976" sldId="269"/>
-            <ac:picMk id="3" creationId="{FC8A4011-EEE8-3BC0-9667-228E90018E18}"/>
-          </ac:picMkLst>
-        </pc:picChg>
-        <pc:picChg chg="add del">
-          <ac:chgData name="Ditte Filskov Theilgaard" userId="150196ba-3d64-4ece-aa51-395739ba31e6" providerId="ADAL" clId="{367C053B-C1C7-4032-B9C0-9E1B976198ED}" dt="2024-12-30T07:50:07.655" v="421" actId="21"/>
-          <ac:picMkLst>
-            <pc:docMk/>
-            <pc:sldMk cId="3181592976" sldId="269"/>
-            <ac:picMk id="5" creationId="{4788E38E-0E22-42FE-37B3-CE3D538FF41D}"/>
-          </ac:picMkLst>
-        </pc:picChg>
       </pc:sldChg>
       <pc:sldChg chg="addSp modSp new mod">
         <pc:chgData name="Ditte Filskov Theilgaard" userId="150196ba-3d64-4ece-aa51-395739ba31e6" providerId="ADAL" clId="{367C053B-C1C7-4032-B9C0-9E1B976198ED}" dt="2024-12-30T08:21:29.237" v="485" actId="1076"/>
@@ -796,7 +771,7 @@
           <a:p>
             <a:fld id="{237DF243-990D-452E-B2F0-0A24C40DD102}" type="datetimeFigureOut">
               <a:rPr lang="en-US" smtClean="0"/>
-              <a:t>12/30/2024</a:t>
+              <a:t>1/15/2025</a:t>
             </a:fld>
             <a:endParaRPr lang="en-US"/>
           </a:p>
@@ -1292,9 +1267,9 @@
           <a:bodyPr/>
           <a:lstStyle/>
           <a:p>
-            <a:fld id="{9CB904D7-2B70-4964-9B23-4E5B349F082D}" type="datetimeFigureOut">
+            <a:fld id="{486E21C2-720A-40C9-8C7A-B8EE1F804312}" type="datetime1">
               <a:rPr lang="en-US" smtClean="0"/>
-              <a:t>12/30/2024</a:t>
+              <a:t>1/15/2025</a:t>
             </a:fld>
             <a:endParaRPr lang="en-US"/>
           </a:p>
@@ -1497,9 +1472,9 @@
           <a:bodyPr/>
           <a:lstStyle/>
           <a:p>
-            <a:fld id="{9CB904D7-2B70-4964-9B23-4E5B349F082D}" type="datetimeFigureOut">
+            <a:fld id="{1AE7C166-6503-45CC-992A-FDD49781BDD1}" type="datetime1">
               <a:rPr lang="en-US" smtClean="0"/>
-              <a:t>12/30/2024</a:t>
+              <a:t>1/15/2025</a:t>
             </a:fld>
             <a:endParaRPr lang="en-US"/>
           </a:p>
@@ -1772,9 +1747,9 @@
           <a:bodyPr/>
           <a:lstStyle/>
           <a:p>
-            <a:fld id="{9CB904D7-2B70-4964-9B23-4E5B349F082D}" type="datetimeFigureOut">
+            <a:fld id="{DFB3A96E-3B6F-4667-B7CC-C79DEEBC73E1}" type="datetime1">
               <a:rPr lang="en-US" smtClean="0"/>
-              <a:t>12/30/2024</a:t>
+              <a:t>1/15/2025</a:t>
             </a:fld>
             <a:endParaRPr lang="en-US"/>
           </a:p>
@@ -2037,9 +2012,9 @@
           <a:bodyPr/>
           <a:lstStyle/>
           <a:p>
-            <a:fld id="{9CB904D7-2B70-4964-9B23-4E5B349F082D}" type="datetimeFigureOut">
+            <a:fld id="{4442CD89-954E-4EC3-A974-4482076C8EE2}" type="datetime1">
               <a:rPr lang="en-US" smtClean="0"/>
-              <a:t>12/30/2024</a:t>
+              <a:t>1/15/2025</a:t>
             </a:fld>
             <a:endParaRPr lang="en-US"/>
           </a:p>
@@ -2449,9 +2424,9 @@
           <a:bodyPr/>
           <a:lstStyle/>
           <a:p>
-            <a:fld id="{9CB904D7-2B70-4964-9B23-4E5B349F082D}" type="datetimeFigureOut">
+            <a:fld id="{1A9BAE2B-468C-4AA6-A876-B81AE841BE5F}" type="datetime1">
               <a:rPr lang="en-US" smtClean="0"/>
-              <a:t>12/30/2024</a:t>
+              <a:t>1/15/2025</a:t>
             </a:fld>
             <a:endParaRPr lang="en-US"/>
           </a:p>
@@ -2590,9 +2565,9 @@
           <a:bodyPr/>
           <a:lstStyle/>
           <a:p>
-            <a:fld id="{9CB904D7-2B70-4964-9B23-4E5B349F082D}" type="datetimeFigureOut">
+            <a:fld id="{9760680D-D58A-451D-A537-EF4433A463E4}" type="datetime1">
               <a:rPr lang="en-US" smtClean="0"/>
-              <a:t>12/30/2024</a:t>
+              <a:t>1/15/2025</a:t>
             </a:fld>
             <a:endParaRPr lang="en-US"/>
           </a:p>
@@ -2703,9 +2678,9 @@
           <a:bodyPr/>
           <a:lstStyle/>
           <a:p>
-            <a:fld id="{9CB904D7-2B70-4964-9B23-4E5B349F082D}" type="datetimeFigureOut">
+            <a:fld id="{FA01B502-06FB-44F5-8975-D0C0209FD6B0}" type="datetime1">
               <a:rPr lang="en-US" smtClean="0"/>
-              <a:t>12/30/2024</a:t>
+              <a:t>1/15/2025</a:t>
             </a:fld>
             <a:endParaRPr lang="en-US"/>
           </a:p>
@@ -2944,9 +2919,9 @@
             </a:lvl1pPr>
           </a:lstStyle>
           <a:p>
-            <a:fld id="{9CB904D7-2B70-4964-9B23-4E5B349F082D}" type="datetimeFigureOut">
+            <a:fld id="{518AC355-C136-40F0-821E-5C4397300706}" type="datetime1">
               <a:rPr lang="en-US" smtClean="0"/>
-              <a:t>12/30/2024</a:t>
+              <a:t>1/15/2025</a:t>
             </a:fld>
             <a:endParaRPr lang="en-US"/>
           </a:p>
@@ -3059,6 +3034,7 @@
     <p:sldLayoutId id="2147483654" r:id="rId6"/>
     <p:sldLayoutId id="2147483655" r:id="rId7"/>
   </p:sldLayoutIdLst>
+  <p:hf hdr="0" ftr="0" dt="0"/>
   <p:txStyles>
     <p:titleStyle>
       <a:lvl1pPr algn="l" defTabSz="914400" rtl="0" eaLnBrk="1" latinLnBrk="0" hangingPunct="1">
@@ -3794,6 +3770,35 @@
           </a:p>
         </p:txBody>
       </p:sp>
+      <p:sp>
+        <p:nvSpPr>
+          <p:cNvPr id="4" name="Slide Number Placeholder 3">
+            <a:extLst>
+              <a:ext uri="{FF2B5EF4-FFF2-40B4-BE49-F238E27FC236}">
+                <a16:creationId xmlns:a16="http://schemas.microsoft.com/office/drawing/2014/main" id="{F09A72AB-9CEF-628C-7895-20493D80F152}"/>
+              </a:ext>
+            </a:extLst>
+          </p:cNvPr>
+          <p:cNvSpPr>
+            <a:spLocks noGrp="1"/>
+          </p:cNvSpPr>
+          <p:nvPr>
+            <p:ph type="sldNum" sz="quarter" idx="12"/>
+          </p:nvPr>
+        </p:nvSpPr>
+        <p:spPr/>
+        <p:txBody>
+          <a:bodyPr/>
+          <a:lstStyle/>
+          <a:p>
+            <a:fld id="{4B04BC67-DFA6-4863-89DB-B4077B3FACAF}" type="slidenum">
+              <a:rPr lang="en-US" smtClean="0"/>
+              <a:t>1</a:t>
+            </a:fld>
+            <a:endParaRPr lang="en-US"/>
+          </a:p>
+        </p:txBody>
+      </p:sp>
     </p:spTree>
     <p:extLst>
       <p:ext uri="{BB962C8B-B14F-4D97-AF65-F5344CB8AC3E}">
@@ -3884,6 +3889,35 @@
           </a:prstGeom>
         </p:spPr>
       </p:pic>
+      <p:sp>
+        <p:nvSpPr>
+          <p:cNvPr id="2" name="Slide Number Placeholder 1">
+            <a:extLst>
+              <a:ext uri="{FF2B5EF4-FFF2-40B4-BE49-F238E27FC236}">
+                <a16:creationId xmlns:a16="http://schemas.microsoft.com/office/drawing/2014/main" id="{E8374FBE-64DB-90B6-C7F7-819376ADA45E}"/>
+              </a:ext>
+            </a:extLst>
+          </p:cNvPr>
+          <p:cNvSpPr>
+            <a:spLocks noGrp="1"/>
+          </p:cNvSpPr>
+          <p:nvPr>
+            <p:ph type="sldNum" sz="quarter" idx="12"/>
+          </p:nvPr>
+        </p:nvSpPr>
+        <p:spPr/>
+        <p:txBody>
+          <a:bodyPr/>
+          <a:lstStyle/>
+          <a:p>
+            <a:fld id="{4B04BC67-DFA6-4863-89DB-B4077B3FACAF}" type="slidenum">
+              <a:rPr lang="en-US" smtClean="0"/>
+              <a:t>10</a:t>
+            </a:fld>
+            <a:endParaRPr lang="en-US"/>
+          </a:p>
+        </p:txBody>
+      </p:sp>
     </p:spTree>
     <p:extLst>
       <p:ext uri="{BB962C8B-B14F-4D97-AF65-F5344CB8AC3E}">
@@ -3973,6 +4007,35 @@
           </a:prstGeom>
         </p:spPr>
       </p:pic>
+      <p:sp>
+        <p:nvSpPr>
+          <p:cNvPr id="2" name="Slide Number Placeholder 1">
+            <a:extLst>
+              <a:ext uri="{FF2B5EF4-FFF2-40B4-BE49-F238E27FC236}">
+                <a16:creationId xmlns:a16="http://schemas.microsoft.com/office/drawing/2014/main" id="{26A8E4DF-A688-DE4A-77A4-7D720322F182}"/>
+              </a:ext>
+            </a:extLst>
+          </p:cNvPr>
+          <p:cNvSpPr>
+            <a:spLocks noGrp="1"/>
+          </p:cNvSpPr>
+          <p:nvPr>
+            <p:ph type="sldNum" sz="quarter" idx="12"/>
+          </p:nvPr>
+        </p:nvSpPr>
+        <p:spPr/>
+        <p:txBody>
+          <a:bodyPr/>
+          <a:lstStyle/>
+          <a:p>
+            <a:fld id="{4B04BC67-DFA6-4863-89DB-B4077B3FACAF}" type="slidenum">
+              <a:rPr lang="en-US" smtClean="0"/>
+              <a:t>11</a:t>
+            </a:fld>
+            <a:endParaRPr lang="en-US"/>
+          </a:p>
+        </p:txBody>
+      </p:sp>
     </p:spTree>
     <p:extLst>
       <p:ext uri="{BB962C8B-B14F-4D97-AF65-F5344CB8AC3E}">
@@ -4062,6 +4125,35 @@
           </a:prstGeom>
         </p:spPr>
       </p:pic>
+      <p:sp>
+        <p:nvSpPr>
+          <p:cNvPr id="2" name="Slide Number Placeholder 1">
+            <a:extLst>
+              <a:ext uri="{FF2B5EF4-FFF2-40B4-BE49-F238E27FC236}">
+                <a16:creationId xmlns:a16="http://schemas.microsoft.com/office/drawing/2014/main" id="{DA4AB56E-8474-386D-3AB8-1B4F155F1E02}"/>
+              </a:ext>
+            </a:extLst>
+          </p:cNvPr>
+          <p:cNvSpPr>
+            <a:spLocks noGrp="1"/>
+          </p:cNvSpPr>
+          <p:nvPr>
+            <p:ph type="sldNum" sz="quarter" idx="12"/>
+          </p:nvPr>
+        </p:nvSpPr>
+        <p:spPr/>
+        <p:txBody>
+          <a:bodyPr/>
+          <a:lstStyle/>
+          <a:p>
+            <a:fld id="{4B04BC67-DFA6-4863-89DB-B4077B3FACAF}" type="slidenum">
+              <a:rPr lang="en-US" smtClean="0"/>
+              <a:t>12</a:t>
+            </a:fld>
+            <a:endParaRPr lang="en-US"/>
+          </a:p>
+        </p:txBody>
+      </p:sp>
     </p:spTree>
     <p:extLst>
       <p:ext uri="{BB962C8B-B14F-4D97-AF65-F5344CB8AC3E}">
@@ -4128,6 +4220,35 @@
           </a:prstGeom>
         </p:spPr>
       </p:pic>
+      <p:sp>
+        <p:nvSpPr>
+          <p:cNvPr id="2" name="Slide Number Placeholder 1">
+            <a:extLst>
+              <a:ext uri="{FF2B5EF4-FFF2-40B4-BE49-F238E27FC236}">
+                <a16:creationId xmlns:a16="http://schemas.microsoft.com/office/drawing/2014/main" id="{C6243F83-1205-870C-02E0-D0A149625B9D}"/>
+              </a:ext>
+            </a:extLst>
+          </p:cNvPr>
+          <p:cNvSpPr>
+            <a:spLocks noGrp="1"/>
+          </p:cNvSpPr>
+          <p:nvPr>
+            <p:ph type="sldNum" sz="quarter" idx="12"/>
+          </p:nvPr>
+        </p:nvSpPr>
+        <p:spPr/>
+        <p:txBody>
+          <a:bodyPr/>
+          <a:lstStyle/>
+          <a:p>
+            <a:fld id="{4B04BC67-DFA6-4863-89DB-B4077B3FACAF}" type="slidenum">
+              <a:rPr lang="en-US" smtClean="0"/>
+              <a:t>13</a:t>
+            </a:fld>
+            <a:endParaRPr lang="en-US"/>
+          </a:p>
+        </p:txBody>
+      </p:sp>
     </p:spTree>
     <p:extLst>
       <p:ext uri="{BB962C8B-B14F-4D97-AF65-F5344CB8AC3E}">
@@ -4302,6 +4423,35 @@
           </a:prstGeom>
         </p:spPr>
       </p:pic>
+      <p:sp>
+        <p:nvSpPr>
+          <p:cNvPr id="2" name="Slide Number Placeholder 1">
+            <a:extLst>
+              <a:ext uri="{FF2B5EF4-FFF2-40B4-BE49-F238E27FC236}">
+                <a16:creationId xmlns:a16="http://schemas.microsoft.com/office/drawing/2014/main" id="{BAA9648A-89E6-5051-0C42-A809FE33F529}"/>
+              </a:ext>
+            </a:extLst>
+          </p:cNvPr>
+          <p:cNvSpPr>
+            <a:spLocks noGrp="1"/>
+          </p:cNvSpPr>
+          <p:nvPr>
+            <p:ph type="sldNum" sz="quarter" idx="12"/>
+          </p:nvPr>
+        </p:nvSpPr>
+        <p:spPr/>
+        <p:txBody>
+          <a:bodyPr/>
+          <a:lstStyle/>
+          <a:p>
+            <a:fld id="{4B04BC67-DFA6-4863-89DB-B4077B3FACAF}" type="slidenum">
+              <a:rPr lang="en-US" smtClean="0"/>
+              <a:t>14</a:t>
+            </a:fld>
+            <a:endParaRPr lang="en-US"/>
+          </a:p>
+        </p:txBody>
+      </p:sp>
     </p:spTree>
     <p:extLst>
       <p:ext uri="{BB962C8B-B14F-4D97-AF65-F5344CB8AC3E}">
@@ -4404,6 +4554,35 @@
           </a:prstGeom>
         </p:spPr>
       </p:pic>
+      <p:sp>
+        <p:nvSpPr>
+          <p:cNvPr id="2" name="Slide Number Placeholder 1">
+            <a:extLst>
+              <a:ext uri="{FF2B5EF4-FFF2-40B4-BE49-F238E27FC236}">
+                <a16:creationId xmlns:a16="http://schemas.microsoft.com/office/drawing/2014/main" id="{38EF9B8B-9575-CFF8-48FA-7368774FD5C4}"/>
+              </a:ext>
+            </a:extLst>
+          </p:cNvPr>
+          <p:cNvSpPr>
+            <a:spLocks noGrp="1"/>
+          </p:cNvSpPr>
+          <p:nvPr>
+            <p:ph type="sldNum" sz="quarter" idx="12"/>
+          </p:nvPr>
+        </p:nvSpPr>
+        <p:spPr/>
+        <p:txBody>
+          <a:bodyPr/>
+          <a:lstStyle/>
+          <a:p>
+            <a:fld id="{4B04BC67-DFA6-4863-89DB-B4077B3FACAF}" type="slidenum">
+              <a:rPr lang="en-US" smtClean="0"/>
+              <a:t>15</a:t>
+            </a:fld>
+            <a:endParaRPr lang="en-US"/>
+          </a:p>
+        </p:txBody>
+      </p:sp>
     </p:spTree>
     <p:extLst>
       <p:ext uri="{BB962C8B-B14F-4D97-AF65-F5344CB8AC3E}">
@@ -4578,6 +4757,35 @@
           </a:prstGeom>
         </p:spPr>
       </p:pic>
+      <p:sp>
+        <p:nvSpPr>
+          <p:cNvPr id="2" name="Slide Number Placeholder 1">
+            <a:extLst>
+              <a:ext uri="{FF2B5EF4-FFF2-40B4-BE49-F238E27FC236}">
+                <a16:creationId xmlns:a16="http://schemas.microsoft.com/office/drawing/2014/main" id="{C5F1CB1F-40F4-98E9-F8D4-67B4C4EC4958}"/>
+              </a:ext>
+            </a:extLst>
+          </p:cNvPr>
+          <p:cNvSpPr>
+            <a:spLocks noGrp="1"/>
+          </p:cNvSpPr>
+          <p:nvPr>
+            <p:ph type="sldNum" sz="quarter" idx="12"/>
+          </p:nvPr>
+        </p:nvSpPr>
+        <p:spPr/>
+        <p:txBody>
+          <a:bodyPr/>
+          <a:lstStyle/>
+          <a:p>
+            <a:fld id="{4B04BC67-DFA6-4863-89DB-B4077B3FACAF}" type="slidenum">
+              <a:rPr lang="en-US" smtClean="0"/>
+              <a:t>16</a:t>
+            </a:fld>
+            <a:endParaRPr lang="en-US"/>
+          </a:p>
+        </p:txBody>
+      </p:sp>
     </p:spTree>
     <p:extLst>
       <p:ext uri="{BB962C8B-B14F-4D97-AF65-F5344CB8AC3E}">
@@ -4680,6 +4888,35 @@
           </a:prstGeom>
         </p:spPr>
       </p:pic>
+      <p:sp>
+        <p:nvSpPr>
+          <p:cNvPr id="2" name="Slide Number Placeholder 1">
+            <a:extLst>
+              <a:ext uri="{FF2B5EF4-FFF2-40B4-BE49-F238E27FC236}">
+                <a16:creationId xmlns:a16="http://schemas.microsoft.com/office/drawing/2014/main" id="{74785225-0738-37EE-AD21-EED31F2A6EDF}"/>
+              </a:ext>
+            </a:extLst>
+          </p:cNvPr>
+          <p:cNvSpPr>
+            <a:spLocks noGrp="1"/>
+          </p:cNvSpPr>
+          <p:nvPr>
+            <p:ph type="sldNum" sz="quarter" idx="12"/>
+          </p:nvPr>
+        </p:nvSpPr>
+        <p:spPr/>
+        <p:txBody>
+          <a:bodyPr/>
+          <a:lstStyle/>
+          <a:p>
+            <a:fld id="{4B04BC67-DFA6-4863-89DB-B4077B3FACAF}" type="slidenum">
+              <a:rPr lang="en-US" smtClean="0"/>
+              <a:t>17</a:t>
+            </a:fld>
+            <a:endParaRPr lang="en-US"/>
+          </a:p>
+        </p:txBody>
+      </p:sp>
     </p:spTree>
     <p:extLst>
       <p:ext uri="{BB962C8B-B14F-4D97-AF65-F5344CB8AC3E}">
@@ -4828,7 +5065,7 @@
               <a:rPr lang="en-US" dirty="0" err="1">
                 <a:sym typeface="Wingdings" panose="05000000000000000000" pitchFamily="2" charset="2"/>
               </a:rPr>
-              <a:t>polynomie</a:t>
+              <a:t>polynomier</a:t>
             </a:r>
             <a:endParaRPr lang="en-US" dirty="0">
               <a:sym typeface="Wingdings" panose="05000000000000000000" pitchFamily="2" charset="2"/>
@@ -4866,6 +5103,71 @@
             <a:endParaRPr lang="en-US" dirty="0">
               <a:sym typeface="Wingdings" panose="05000000000000000000" pitchFamily="2" charset="2"/>
             </a:endParaRPr>
+          </a:p>
+        </p:txBody>
+      </p:sp>
+      <p:pic>
+        <p:nvPicPr>
+          <p:cNvPr id="7" name="Picture 6" descr="A graph of a graph&#10;&#10;Description automatically generated with medium confidence">
+            <a:extLst>
+              <a:ext uri="{FF2B5EF4-FFF2-40B4-BE49-F238E27FC236}">
+                <a16:creationId xmlns:a16="http://schemas.microsoft.com/office/drawing/2014/main" id="{D707CB15-18BB-F440-36C3-DD66714B005B}"/>
+              </a:ext>
+            </a:extLst>
+          </p:cNvPr>
+          <p:cNvPicPr>
+            <a:picLocks noChangeAspect="1"/>
+          </p:cNvPicPr>
+          <p:nvPr/>
+        </p:nvPicPr>
+        <p:blipFill>
+          <a:blip r:embed="rId2">
+            <a:extLst>
+              <a:ext uri="{28A0092B-C50C-407E-A947-70E740481C1C}">
+                <a14:useLocalDpi xmlns:a14="http://schemas.microsoft.com/office/drawing/2010/main" val="0"/>
+              </a:ext>
+            </a:extLst>
+          </a:blip>
+          <a:stretch>
+            <a:fillRect/>
+          </a:stretch>
+        </p:blipFill>
+        <p:spPr>
+          <a:xfrm>
+            <a:off x="0" y="4503876"/>
+            <a:ext cx="12192000" cy="2354124"/>
+          </a:xfrm>
+          <a:prstGeom prst="rect">
+            <a:avLst/>
+          </a:prstGeom>
+        </p:spPr>
+      </p:pic>
+      <p:sp>
+        <p:nvSpPr>
+          <p:cNvPr id="8" name="Slide Number Placeholder 7">
+            <a:extLst>
+              <a:ext uri="{FF2B5EF4-FFF2-40B4-BE49-F238E27FC236}">
+                <a16:creationId xmlns:a16="http://schemas.microsoft.com/office/drawing/2014/main" id="{281543F6-AD52-9F86-8104-9A96CD80D816}"/>
+              </a:ext>
+            </a:extLst>
+          </p:cNvPr>
+          <p:cNvSpPr>
+            <a:spLocks noGrp="1"/>
+          </p:cNvSpPr>
+          <p:nvPr>
+            <p:ph type="sldNum" sz="quarter" idx="12"/>
+          </p:nvPr>
+        </p:nvSpPr>
+        <p:spPr/>
+        <p:txBody>
+          <a:bodyPr/>
+          <a:lstStyle/>
+          <a:p>
+            <a:fld id="{4B04BC67-DFA6-4863-89DB-B4077B3FACAF}" type="slidenum">
+              <a:rPr lang="en-US" smtClean="0"/>
+              <a:t>2</a:t>
+            </a:fld>
+            <a:endParaRPr lang="en-US"/>
           </a:p>
         </p:txBody>
       </p:sp>
@@ -4921,7 +5223,7 @@
         </p:blipFill>
         <p:spPr>
           <a:xfrm>
-            <a:off x="1823701" y="289220"/>
+            <a:off x="1797951" y="74809"/>
             <a:ext cx="8184249" cy="6568780"/>
           </a:xfrm>
           <a:prstGeom prst="rect">
@@ -4929,6 +5231,35 @@
           </a:prstGeom>
         </p:spPr>
       </p:pic>
+      <p:sp>
+        <p:nvSpPr>
+          <p:cNvPr id="2" name="Slide Number Placeholder 1">
+            <a:extLst>
+              <a:ext uri="{FF2B5EF4-FFF2-40B4-BE49-F238E27FC236}">
+                <a16:creationId xmlns:a16="http://schemas.microsoft.com/office/drawing/2014/main" id="{A5B3E618-3F7E-37EA-24AB-B72819563C69}"/>
+              </a:ext>
+            </a:extLst>
+          </p:cNvPr>
+          <p:cNvSpPr>
+            <a:spLocks noGrp="1"/>
+          </p:cNvSpPr>
+          <p:nvPr>
+            <p:ph type="sldNum" sz="quarter" idx="12"/>
+          </p:nvPr>
+        </p:nvSpPr>
+        <p:spPr/>
+        <p:txBody>
+          <a:bodyPr/>
+          <a:lstStyle/>
+          <a:p>
+            <a:fld id="{4B04BC67-DFA6-4863-89DB-B4077B3FACAF}" type="slidenum">
+              <a:rPr lang="en-US" smtClean="0"/>
+              <a:t>3</a:t>
+            </a:fld>
+            <a:endParaRPr lang="en-US"/>
+          </a:p>
+        </p:txBody>
+      </p:sp>
     </p:spTree>
     <p:extLst>
       <p:ext uri="{BB962C8B-B14F-4D97-AF65-F5344CB8AC3E}">
@@ -4989,6 +5320,35 @@
           </a:prstGeom>
         </p:spPr>
       </p:pic>
+      <p:sp>
+        <p:nvSpPr>
+          <p:cNvPr id="2" name="Slide Number Placeholder 1">
+            <a:extLst>
+              <a:ext uri="{FF2B5EF4-FFF2-40B4-BE49-F238E27FC236}">
+                <a16:creationId xmlns:a16="http://schemas.microsoft.com/office/drawing/2014/main" id="{FE57010E-F4BC-FB06-A0C9-2EA304351109}"/>
+              </a:ext>
+            </a:extLst>
+          </p:cNvPr>
+          <p:cNvSpPr>
+            <a:spLocks noGrp="1"/>
+          </p:cNvSpPr>
+          <p:nvPr>
+            <p:ph type="sldNum" sz="quarter" idx="12"/>
+          </p:nvPr>
+        </p:nvSpPr>
+        <p:spPr/>
+        <p:txBody>
+          <a:bodyPr/>
+          <a:lstStyle/>
+          <a:p>
+            <a:fld id="{4B04BC67-DFA6-4863-89DB-B4077B3FACAF}" type="slidenum">
+              <a:rPr lang="en-US" smtClean="0"/>
+              <a:t>4</a:t>
+            </a:fld>
+            <a:endParaRPr lang="en-US"/>
+          </a:p>
+        </p:txBody>
+      </p:sp>
     </p:spTree>
     <p:extLst>
       <p:ext uri="{BB962C8B-B14F-4D97-AF65-F5344CB8AC3E}">
@@ -5079,6 +5439,35 @@
           </a:prstGeom>
         </p:spPr>
       </p:pic>
+      <p:sp>
+        <p:nvSpPr>
+          <p:cNvPr id="2" name="Slide Number Placeholder 1">
+            <a:extLst>
+              <a:ext uri="{FF2B5EF4-FFF2-40B4-BE49-F238E27FC236}">
+                <a16:creationId xmlns:a16="http://schemas.microsoft.com/office/drawing/2014/main" id="{C179BBE1-E560-F00C-D39D-7B8C2C211475}"/>
+              </a:ext>
+            </a:extLst>
+          </p:cNvPr>
+          <p:cNvSpPr>
+            <a:spLocks noGrp="1"/>
+          </p:cNvSpPr>
+          <p:nvPr>
+            <p:ph type="sldNum" sz="quarter" idx="12"/>
+          </p:nvPr>
+        </p:nvSpPr>
+        <p:spPr/>
+        <p:txBody>
+          <a:bodyPr/>
+          <a:lstStyle/>
+          <a:p>
+            <a:fld id="{4B04BC67-DFA6-4863-89DB-B4077B3FACAF}" type="slidenum">
+              <a:rPr lang="en-US" smtClean="0"/>
+              <a:t>5</a:t>
+            </a:fld>
+            <a:endParaRPr lang="en-US"/>
+          </a:p>
+        </p:txBody>
+      </p:sp>
     </p:spTree>
     <p:extLst>
       <p:ext uri="{BB962C8B-B14F-4D97-AF65-F5344CB8AC3E}">
@@ -5139,6 +5528,35 @@
           </a:prstGeom>
         </p:spPr>
       </p:pic>
+      <p:sp>
+        <p:nvSpPr>
+          <p:cNvPr id="2" name="Slide Number Placeholder 1">
+            <a:extLst>
+              <a:ext uri="{FF2B5EF4-FFF2-40B4-BE49-F238E27FC236}">
+                <a16:creationId xmlns:a16="http://schemas.microsoft.com/office/drawing/2014/main" id="{6F8B9B3F-D5D6-E2F0-6AD1-0779E4AD8D45}"/>
+              </a:ext>
+            </a:extLst>
+          </p:cNvPr>
+          <p:cNvSpPr>
+            <a:spLocks noGrp="1"/>
+          </p:cNvSpPr>
+          <p:nvPr>
+            <p:ph type="sldNum" sz="quarter" idx="12"/>
+          </p:nvPr>
+        </p:nvSpPr>
+        <p:spPr/>
+        <p:txBody>
+          <a:bodyPr/>
+          <a:lstStyle/>
+          <a:p>
+            <a:fld id="{4B04BC67-DFA6-4863-89DB-B4077B3FACAF}" type="slidenum">
+              <a:rPr lang="en-US" smtClean="0"/>
+              <a:t>6</a:t>
+            </a:fld>
+            <a:endParaRPr lang="en-US"/>
+          </a:p>
+        </p:txBody>
+      </p:sp>
     </p:spTree>
     <p:extLst>
       <p:ext uri="{BB962C8B-B14F-4D97-AF65-F5344CB8AC3E}">
@@ -5199,6 +5617,35 @@
           </a:prstGeom>
         </p:spPr>
       </p:pic>
+      <p:sp>
+        <p:nvSpPr>
+          <p:cNvPr id="2" name="Slide Number Placeholder 1">
+            <a:extLst>
+              <a:ext uri="{FF2B5EF4-FFF2-40B4-BE49-F238E27FC236}">
+                <a16:creationId xmlns:a16="http://schemas.microsoft.com/office/drawing/2014/main" id="{2B6C4463-7362-9A5F-1E1C-BB086BD92208}"/>
+              </a:ext>
+            </a:extLst>
+          </p:cNvPr>
+          <p:cNvSpPr>
+            <a:spLocks noGrp="1"/>
+          </p:cNvSpPr>
+          <p:nvPr>
+            <p:ph type="sldNum" sz="quarter" idx="12"/>
+          </p:nvPr>
+        </p:nvSpPr>
+        <p:spPr/>
+        <p:txBody>
+          <a:bodyPr/>
+          <a:lstStyle/>
+          <a:p>
+            <a:fld id="{4B04BC67-DFA6-4863-89DB-B4077B3FACAF}" type="slidenum">
+              <a:rPr lang="en-US" smtClean="0"/>
+              <a:t>7</a:t>
+            </a:fld>
+            <a:endParaRPr lang="en-US"/>
+          </a:p>
+        </p:txBody>
+      </p:sp>
     </p:spTree>
     <p:extLst>
       <p:ext uri="{BB962C8B-B14F-4D97-AF65-F5344CB8AC3E}">
@@ -5289,6 +5736,35 @@
           </a:prstGeom>
         </p:spPr>
       </p:pic>
+      <p:sp>
+        <p:nvSpPr>
+          <p:cNvPr id="2" name="Slide Number Placeholder 1">
+            <a:extLst>
+              <a:ext uri="{FF2B5EF4-FFF2-40B4-BE49-F238E27FC236}">
+                <a16:creationId xmlns:a16="http://schemas.microsoft.com/office/drawing/2014/main" id="{6F59C85D-4848-7191-7D68-F756FBAEE648}"/>
+              </a:ext>
+            </a:extLst>
+          </p:cNvPr>
+          <p:cNvSpPr>
+            <a:spLocks noGrp="1"/>
+          </p:cNvSpPr>
+          <p:nvPr>
+            <p:ph type="sldNum" sz="quarter" idx="12"/>
+          </p:nvPr>
+        </p:nvSpPr>
+        <p:spPr/>
+        <p:txBody>
+          <a:bodyPr/>
+          <a:lstStyle/>
+          <a:p>
+            <a:fld id="{4B04BC67-DFA6-4863-89DB-B4077B3FACAF}" type="slidenum">
+              <a:rPr lang="en-US" smtClean="0"/>
+              <a:t>8</a:t>
+            </a:fld>
+            <a:endParaRPr lang="en-US"/>
+          </a:p>
+        </p:txBody>
+      </p:sp>
     </p:spTree>
     <p:extLst>
       <p:ext uri="{BB962C8B-B14F-4D97-AF65-F5344CB8AC3E}">
@@ -5379,6 +5855,35 @@
           </a:prstGeom>
         </p:spPr>
       </p:pic>
+      <p:sp>
+        <p:nvSpPr>
+          <p:cNvPr id="2" name="Slide Number Placeholder 1">
+            <a:extLst>
+              <a:ext uri="{FF2B5EF4-FFF2-40B4-BE49-F238E27FC236}">
+                <a16:creationId xmlns:a16="http://schemas.microsoft.com/office/drawing/2014/main" id="{44060F0F-FB0C-0EF8-DFC4-9412BC2E1FA1}"/>
+              </a:ext>
+            </a:extLst>
+          </p:cNvPr>
+          <p:cNvSpPr>
+            <a:spLocks noGrp="1"/>
+          </p:cNvSpPr>
+          <p:nvPr>
+            <p:ph type="sldNum" sz="quarter" idx="12"/>
+          </p:nvPr>
+        </p:nvSpPr>
+        <p:spPr/>
+        <p:txBody>
+          <a:bodyPr/>
+          <a:lstStyle/>
+          <a:p>
+            <a:fld id="{4B04BC67-DFA6-4863-89DB-B4077B3FACAF}" type="slidenum">
+              <a:rPr lang="en-US" smtClean="0"/>
+              <a:t>9</a:t>
+            </a:fld>
+            <a:endParaRPr lang="en-US"/>
+          </a:p>
+        </p:txBody>
+      </p:sp>
     </p:spTree>
     <p:extLst>
       <p:ext uri="{BB962C8B-B14F-4D97-AF65-F5344CB8AC3E}">
